--- a/data/politika/prezentacije/U3_002_narod_nacija_manjina_gradjani_drzavljani_RH.pptx
+++ b/data/politika/prezentacije/U3_002_narod_nacija_manjina_gradjani_drzavljani_RH.pptx
@@ -7187,13 +7187,13 @@
   <p:clrMapOvr>
     <a:masterClrMapping/>
   </p:clrMapOvr>
-  <mc:AlternateContent xmlns:mc="http://schemas.openxmlformats.org/markup-compatibility/2006">
-    <mc:Choice xmlns:p14="http://schemas.microsoft.com/office/powerpoint/2010/main" Requires="p14">
+  <mc:AlternateContent xmlns:mc="http://schemas.openxmlformats.org/markup-compatibility/2006" xmlns:p14="http://schemas.microsoft.com/office/powerpoint/2010/main">
+    <mc:Choice Requires="p14">
       <p:transition>
         <p14:reveal/>
       </p:transition>
     </mc:Choice>
-    <mc:Fallback>
+    <mc:Fallback xmlns="">
       <p:transition>
         <p:fade/>
       </p:transition>
@@ -7801,13 +7801,13 @@
   <p:clrMapOvr>
     <a:masterClrMapping/>
   </p:clrMapOvr>
-  <mc:AlternateContent xmlns:mc="http://schemas.openxmlformats.org/markup-compatibility/2006">
-    <mc:Choice xmlns:p14="http://schemas.microsoft.com/office/powerpoint/2010/main" Requires="p14">
+  <mc:AlternateContent xmlns:mc="http://schemas.openxmlformats.org/markup-compatibility/2006" xmlns:p14="http://schemas.microsoft.com/office/powerpoint/2010/main">
+    <mc:Choice Requires="p14">
       <p:transition>
         <p14:reveal/>
       </p:transition>
     </mc:Choice>
-    <mc:Fallback>
+    <mc:Fallback xmlns="">
       <p:transition>
         <p:fade/>
       </p:transition>
@@ -8935,13 +8935,13 @@
   <p:clrMapOvr>
     <a:masterClrMapping/>
   </p:clrMapOvr>
-  <mc:AlternateContent xmlns:mc="http://schemas.openxmlformats.org/markup-compatibility/2006">
-    <mc:Choice xmlns:p14="http://schemas.microsoft.com/office/powerpoint/2010/main" Requires="p14">
+  <mc:AlternateContent xmlns:mc="http://schemas.openxmlformats.org/markup-compatibility/2006" xmlns:p14="http://schemas.microsoft.com/office/powerpoint/2010/main">
+    <mc:Choice Requires="p14">
       <p:transition>
         <p14:reveal/>
       </p:transition>
     </mc:Choice>
-    <mc:Fallback>
+    <mc:Fallback xmlns="">
       <p:transition>
         <p:fade/>
       </p:transition>
@@ -17437,7 +17437,7 @@
                 <a:latin typeface="Calibri" pitchFamily="34" charset="0"/>
                 <a:cs typeface="Calibri" pitchFamily="34" charset="0"/>
               </a:rPr>
-              <a:t>24</a:t>
+              <a:t>22</a:t>
             </a:r>
             <a:r>
               <a:rPr lang="hr-HR" sz="2800" dirty="0" smtClean="0">
@@ -17477,7 +17477,24 @@
                 <a:latin typeface="Calibri" pitchFamily="34" charset="0"/>
                 <a:cs typeface="Calibri" pitchFamily="34" charset="0"/>
               </a:rPr>
-              <a:t>328 000</a:t>
+              <a:t>328 </a:t>
+            </a:r>
+            <a:r>
+              <a:rPr lang="hr-HR" sz="2800" b="1" dirty="0" smtClean="0">
+                <a:solidFill>
+                  <a:srgbClr val="FF0000"/>
+                </a:solidFill>
+                <a:effectLst>
+                  <a:outerShdw blurRad="38100" dist="38100" dir="2700000" algn="tl">
+                    <a:srgbClr val="000000">
+                      <a:alpha val="43137"/>
+                    </a:srgbClr>
+                  </a:outerShdw>
+                </a:effectLst>
+                <a:latin typeface="Calibri" pitchFamily="34" charset="0"/>
+                <a:cs typeface="Calibri" pitchFamily="34" charset="0"/>
+              </a:rPr>
+              <a:t>700</a:t>
             </a:r>
             <a:r>
               <a:rPr lang="hr-HR" sz="2800" dirty="0" smtClean="0">
@@ -17514,13 +17531,13 @@
   <p:clrMapOvr>
     <a:masterClrMapping/>
   </p:clrMapOvr>
-  <mc:AlternateContent xmlns:mc="http://schemas.openxmlformats.org/markup-compatibility/2006">
-    <mc:Choice xmlns:p14="http://schemas.microsoft.com/office/powerpoint/2010/main" Requires="p14">
+  <mc:AlternateContent xmlns:mc="http://schemas.openxmlformats.org/markup-compatibility/2006" xmlns:p14="http://schemas.microsoft.com/office/powerpoint/2010/main">
+    <mc:Choice Requires="p14">
       <p:transition>
         <p14:reveal/>
       </p:transition>
     </mc:Choice>
-    <mc:Fallback>
+    <mc:Fallback xmlns="">
       <p:transition>
         <p:fade/>
       </p:transition>
@@ -21692,13 +21709,13 @@
   <p:clrMapOvr>
     <a:masterClrMapping/>
   </p:clrMapOvr>
-  <mc:AlternateContent xmlns:mc="http://schemas.openxmlformats.org/markup-compatibility/2006">
-    <mc:Choice xmlns:p14="http://schemas.microsoft.com/office/powerpoint/2010/main" Requires="p14">
+  <mc:AlternateContent xmlns:mc="http://schemas.openxmlformats.org/markup-compatibility/2006" xmlns:p14="http://schemas.microsoft.com/office/powerpoint/2010/main">
+    <mc:Choice Requires="p14">
       <p:transition>
         <p14:reveal/>
       </p:transition>
     </mc:Choice>
-    <mc:Fallback>
+    <mc:Fallback xmlns="">
       <p:transition>
         <p:fade/>
       </p:transition>
@@ -23420,13 +23437,13 @@
   <p:clrMapOvr>
     <a:masterClrMapping/>
   </p:clrMapOvr>
-  <mc:AlternateContent xmlns:mc="http://schemas.openxmlformats.org/markup-compatibility/2006">
-    <mc:Choice xmlns:p14="http://schemas.microsoft.com/office/powerpoint/2010/main" Requires="p14">
+  <mc:AlternateContent xmlns:mc="http://schemas.openxmlformats.org/markup-compatibility/2006" xmlns:p14="http://schemas.microsoft.com/office/powerpoint/2010/main">
+    <mc:Choice Requires="p14">
       <p:transition>
         <p14:reveal/>
       </p:transition>
     </mc:Choice>
-    <mc:Fallback>
+    <mc:Fallback xmlns="">
       <p:transition>
         <p:fade/>
       </p:transition>
@@ -24911,13 +24928,13 @@
   <p:clrMapOvr>
     <a:masterClrMapping/>
   </p:clrMapOvr>
-  <mc:AlternateContent xmlns:mc="http://schemas.openxmlformats.org/markup-compatibility/2006">
-    <mc:Choice xmlns:p14="http://schemas.microsoft.com/office/powerpoint/2010/main" Requires="p14">
+  <mc:AlternateContent xmlns:mc="http://schemas.openxmlformats.org/markup-compatibility/2006" xmlns:p14="http://schemas.microsoft.com/office/powerpoint/2010/main">
+    <mc:Choice Requires="p14">
       <p:transition>
         <p14:reveal/>
       </p:transition>
     </mc:Choice>
-    <mc:Fallback>
+    <mc:Fallback xmlns="">
       <p:transition>
         <p:fade/>
       </p:transition>
@@ -25634,13 +25651,13 @@
   <p:clrMapOvr>
     <a:masterClrMapping/>
   </p:clrMapOvr>
-  <mc:AlternateContent xmlns:mc="http://schemas.openxmlformats.org/markup-compatibility/2006">
-    <mc:Choice xmlns:p14="http://schemas.microsoft.com/office/powerpoint/2010/main" Requires="p14">
+  <mc:AlternateContent xmlns:mc="http://schemas.openxmlformats.org/markup-compatibility/2006" xmlns:p14="http://schemas.microsoft.com/office/powerpoint/2010/main">
+    <mc:Choice Requires="p14">
       <p:transition>
         <p14:reveal/>
       </p:transition>
     </mc:Choice>
-    <mc:Fallback>
+    <mc:Fallback xmlns="">
       <p:transition>
         <p:fade/>
       </p:transition>
@@ -28042,13 +28059,13 @@
   <p:clrMapOvr>
     <a:masterClrMapping/>
   </p:clrMapOvr>
-  <mc:AlternateContent xmlns:mc="http://schemas.openxmlformats.org/markup-compatibility/2006">
-    <mc:Choice xmlns:p14="http://schemas.microsoft.com/office/powerpoint/2010/main" Requires="p14">
+  <mc:AlternateContent xmlns:mc="http://schemas.openxmlformats.org/markup-compatibility/2006" xmlns:p14="http://schemas.microsoft.com/office/powerpoint/2010/main">
+    <mc:Choice Requires="p14">
       <p:transition>
         <p14:reveal/>
       </p:transition>
     </mc:Choice>
-    <mc:Fallback>
+    <mc:Fallback xmlns="">
       <p:transition>
         <p:fade/>
       </p:transition>
@@ -38791,13 +38808,13 @@
   <p:clrMapOvr>
     <a:masterClrMapping/>
   </p:clrMapOvr>
-  <mc:AlternateContent xmlns:mc="http://schemas.openxmlformats.org/markup-compatibility/2006">
-    <mc:Choice xmlns:p14="http://schemas.microsoft.com/office/powerpoint/2010/main" Requires="p14">
+  <mc:AlternateContent xmlns:mc="http://schemas.openxmlformats.org/markup-compatibility/2006" xmlns:p14="http://schemas.microsoft.com/office/powerpoint/2010/main">
+    <mc:Choice Requires="p14">
       <p:transition>
         <p14:reveal/>
       </p:transition>
     </mc:Choice>
-    <mc:Fallback>
+    <mc:Fallback xmlns="">
       <p:transition>
         <p:fade/>
       </p:transition>
@@ -39967,7 +39984,7 @@
                 <a:ea typeface="WenQuanYi Micro Hei" charset="0"/>
                 <a:cs typeface="Calibri" pitchFamily="34" charset="0"/>
               </a:rPr>
-              <a:t> (građani)</a:t>
+              <a:t> (građani/državljani)</a:t>
             </a:r>
             <a:endParaRPr lang="hr-HR" sz="2600" dirty="0" smtClean="0">
               <a:latin typeface="Calibri" pitchFamily="34" charset="0"/>
@@ -40007,13 +40024,13 @@
   <p:clrMapOvr>
     <a:masterClrMapping/>
   </p:clrMapOvr>
-  <mc:AlternateContent xmlns:mc="http://schemas.openxmlformats.org/markup-compatibility/2006">
-    <mc:Choice xmlns:p14="http://schemas.microsoft.com/office/powerpoint/2010/main" Requires="p14">
+  <mc:AlternateContent xmlns:mc="http://schemas.openxmlformats.org/markup-compatibility/2006" xmlns:p14="http://schemas.microsoft.com/office/powerpoint/2010/main">
+    <mc:Choice Requires="p14">
       <p:transition>
         <p14:reveal/>
       </p:transition>
     </mc:Choice>
-    <mc:Fallback>
+    <mc:Fallback xmlns="">
       <p:transition>
         <p:fade/>
       </p:transition>
@@ -40529,13 +40546,13 @@
   <p:clrMapOvr>
     <a:masterClrMapping/>
   </p:clrMapOvr>
-  <mc:AlternateContent xmlns:mc="http://schemas.openxmlformats.org/markup-compatibility/2006">
-    <mc:Choice xmlns:p14="http://schemas.microsoft.com/office/powerpoint/2010/main" Requires="p14">
+  <mc:AlternateContent xmlns:mc="http://schemas.openxmlformats.org/markup-compatibility/2006" xmlns:p14="http://schemas.microsoft.com/office/powerpoint/2010/main">
+    <mc:Choice Requires="p14">
       <p:transition>
         <p14:reveal/>
       </p:transition>
     </mc:Choice>
-    <mc:Fallback>
+    <mc:Fallback xmlns="">
       <p:transition>
         <p:fade/>
       </p:transition>
@@ -40934,15 +40951,18 @@
                 <a:ea typeface="WenQuanYi Micro Hei" charset="0"/>
                 <a:cs typeface="Calibri" pitchFamily="34" charset="0"/>
               </a:rPr>
-              <a:t>mjeseca (25. lipnja 1991</a:t>
-            </a:r>
-            <a:r>
-              <a:rPr lang="hr-HR" sz="2600" dirty="0" smtClean="0">
+              <a:t>mjeseca (</a:t>
+            </a:r>
+            <a:r>
+              <a:rPr lang="hr-HR" sz="2600" b="1" dirty="0">
+                <a:solidFill>
+                  <a:srgbClr val="FFC000"/>
+                </a:solidFill>
                 <a:latin typeface="Calibri" pitchFamily="34" charset="0"/>
                 <a:ea typeface="WenQuanYi Micro Hei" charset="0"/>
                 <a:cs typeface="Calibri" pitchFamily="34" charset="0"/>
               </a:rPr>
-              <a:t>.) na </a:t>
+              <a:t>25. lipnja 1991</a:t>
             </a:r>
             <a:r>
               <a:rPr lang="hr-HR" sz="2600" b="1" dirty="0" smtClean="0">
@@ -40953,7 +40973,15 @@
                 <a:ea typeface="WenQuanYi Micro Hei" charset="0"/>
                 <a:cs typeface="Calibri" pitchFamily="34" charset="0"/>
               </a:rPr>
-              <a:t>O</a:t>
+              <a:t>.) </a:t>
+            </a:r>
+            <a:r>
+              <a:rPr lang="hr-HR" sz="2600" dirty="0" smtClean="0">
+                <a:latin typeface="Calibri" pitchFamily="34" charset="0"/>
+                <a:ea typeface="WenQuanYi Micro Hei" charset="0"/>
+                <a:cs typeface="Calibri" pitchFamily="34" charset="0"/>
+              </a:rPr>
+              <a:t>na </a:t>
             </a:r>
             <a:r>
               <a:rPr lang="hr-HR" sz="2600" b="1" dirty="0" smtClean="0">
@@ -40964,7 +40992,47 @@
                 <a:ea typeface="WenQuanYi Micro Hei" charset="0"/>
                 <a:cs typeface="Calibri" pitchFamily="34" charset="0"/>
               </a:rPr>
-              <a:t>dluku Sabora o samostalnosti i suverenosti</a:t>
+              <a:t>Odluku Sabora o samostalnosti i suverenosti – Dan državnosti</a:t>
+            </a:r>
+          </a:p>
+          <a:p>
+            <a:pPr indent="-310950">
+              <a:lnSpc>
+                <a:spcPct val="100000"/>
+              </a:lnSpc>
+              <a:spcBef>
+                <a:spcPts val="600"/>
+              </a:spcBef>
+              <a:buClr>
+                <a:schemeClr val="tx1"/>
+              </a:buClr>
+              <a:buFont typeface="Arial" pitchFamily="34" charset="0"/>
+              <a:buChar char="–"/>
+              <a:tabLst>
+                <a:tab pos="723900" algn="l"/>
+                <a:tab pos="1447800" algn="l"/>
+                <a:tab pos="2171700" algn="l"/>
+                <a:tab pos="2895600" algn="l"/>
+                <a:tab pos="3619500" algn="l"/>
+                <a:tab pos="4343400" algn="l"/>
+                <a:tab pos="5067300" algn="l"/>
+                <a:tab pos="5791200" algn="l"/>
+                <a:tab pos="6515100" algn="l"/>
+                <a:tab pos="7239000" algn="l"/>
+                <a:tab pos="7962900" algn="l"/>
+                <a:tab pos="8686800" algn="l"/>
+              </a:tabLst>
+            </a:pPr>
+            <a:r>
+              <a:rPr lang="hr-HR" sz="2600" b="1" dirty="0" smtClean="0">
+                <a:solidFill>
+                  <a:srgbClr val="FFC000"/>
+                </a:solidFill>
+                <a:latin typeface="Calibri" pitchFamily="34" charset="0"/>
+                <a:ea typeface="WenQuanYi Micro Hei" charset="0"/>
+                <a:cs typeface="Calibri" pitchFamily="34" charset="0"/>
+              </a:rPr>
+              <a:t>5. kolovoza – Dan pobjede i domovinske zahvalnosti</a:t>
             </a:r>
           </a:p>
           <a:p>
@@ -41066,11 +41134,6 @@
               </a:rPr>
               <a:t>teritorij</a:t>
             </a:r>
-            <a:endParaRPr lang="hr-HR" sz="2400" dirty="0" smtClean="0">
-              <a:latin typeface="Calibri" pitchFamily="34" charset="0"/>
-              <a:ea typeface="WenQuanYi Micro Hei" charset="0"/>
-              <a:cs typeface="Calibri" pitchFamily="34" charset="0"/>
-            </a:endParaRPr>
           </a:p>
           <a:p>
             <a:pPr marL="1030950" lvl="1" indent="-288000">
@@ -41312,13 +41375,13 @@
   <p:clrMapOvr>
     <a:masterClrMapping/>
   </p:clrMapOvr>
-  <mc:AlternateContent xmlns:mc="http://schemas.openxmlformats.org/markup-compatibility/2006">
-    <mc:Choice xmlns:p14="http://schemas.microsoft.com/office/powerpoint/2010/main" Requires="p14">
+  <mc:AlternateContent xmlns:mc="http://schemas.openxmlformats.org/markup-compatibility/2006" xmlns:p14="http://schemas.microsoft.com/office/powerpoint/2010/main">
+    <mc:Choice Requires="p14">
       <p:transition>
         <p14:reveal/>
       </p:transition>
     </mc:Choice>
-    <mc:Fallback>
+    <mc:Fallback xmlns="">
       <p:transition>
         <p:fade/>
       </p:transition>
@@ -41598,21 +41661,30 @@
                             </p:childTnLst>
                           </p:cTn>
                         </p:par>
+                      </p:childTnLst>
+                    </p:cTn>
+                  </p:par>
+                  <p:par>
+                    <p:cTn id="24" fill="hold">
+                      <p:stCondLst>
+                        <p:cond delay="indefinite"/>
+                      </p:stCondLst>
+                      <p:childTnLst>
                         <p:par>
-                          <p:cTn id="24" fill="hold">
+                          <p:cTn id="25" fill="hold">
                             <p:stCondLst>
-                              <p:cond delay="1250"/>
+                              <p:cond delay="0"/>
                             </p:stCondLst>
                             <p:childTnLst>
                               <p:par>
-                                <p:cTn id="25" presetID="10" presetClass="entr" fill="hold" nodeType="afterEffect">
+                                <p:cTn id="26" presetID="10" presetClass="entr" fill="hold" nodeType="clickEffect">
                                   <p:stCondLst>
                                     <p:cond delay="0"/>
                                   </p:stCondLst>
                                   <p:childTnLst>
                                     <p:set>
                                       <p:cBhvr additive="repl">
-                                        <p:cTn id="26" dur="1" fill="hold">
+                                        <p:cTn id="27" dur="1" fill="hold">
                                           <p:stCondLst>
                                             <p:cond delay="0"/>
                                           </p:stCondLst>
@@ -41634,7 +41706,7 @@
                                     </p:set>
                                     <p:animEffect transition="in" filter="fade">
                                       <p:cBhvr additive="repl">
-                                        <p:cTn id="27" dur="250"/>
+                                        <p:cTn id="28" dur="250"/>
                                         <p:tgtEl>
                                           <p:spTgt spid="24578">
                                             <p:txEl>
@@ -41651,20 +41723,20 @@
                           </p:cTn>
                         </p:par>
                         <p:par>
-                          <p:cTn id="28" fill="hold">
+                          <p:cTn id="29" fill="hold">
                             <p:stCondLst>
-                              <p:cond delay="1500"/>
+                              <p:cond delay="250"/>
                             </p:stCondLst>
                             <p:childTnLst>
                               <p:par>
-                                <p:cTn id="29" presetID="10" presetClass="entr" fill="hold" nodeType="afterEffect">
+                                <p:cTn id="30" presetID="10" presetClass="entr" fill="hold" nodeType="afterEffect">
                                   <p:stCondLst>
                                     <p:cond delay="0"/>
                                   </p:stCondLst>
                                   <p:childTnLst>
                                     <p:set>
                                       <p:cBhvr additive="repl">
-                                        <p:cTn id="30" dur="1" fill="hold">
+                                        <p:cTn id="31" dur="1" fill="hold">
                                           <p:stCondLst>
                                             <p:cond delay="0"/>
                                           </p:stCondLst>
@@ -41686,7 +41758,7 @@
                                     </p:set>
                                     <p:animEffect transition="in" filter="fade">
                                       <p:cBhvr additive="repl">
-                                        <p:cTn id="31" dur="250"/>
+                                        <p:cTn id="32" dur="250"/>
                                         <p:tgtEl>
                                           <p:spTgt spid="24578">
                                             <p:txEl>
@@ -41703,20 +41775,20 @@
                           </p:cTn>
                         </p:par>
                         <p:par>
-                          <p:cTn id="32" fill="hold">
+                          <p:cTn id="33" fill="hold">
                             <p:stCondLst>
-                              <p:cond delay="1750"/>
+                              <p:cond delay="500"/>
                             </p:stCondLst>
                             <p:childTnLst>
                               <p:par>
-                                <p:cTn id="33" presetID="10" presetClass="entr" fill="hold" nodeType="afterEffect">
+                                <p:cTn id="34" presetID="10" presetClass="entr" fill="hold" nodeType="afterEffect">
                                   <p:stCondLst>
                                     <p:cond delay="0"/>
                                   </p:stCondLst>
                                   <p:childTnLst>
                                     <p:set>
                                       <p:cBhvr additive="repl">
-                                        <p:cTn id="34" dur="1" fill="hold">
+                                        <p:cTn id="35" dur="1" fill="hold">
                                           <p:stCondLst>
                                             <p:cond delay="0"/>
                                           </p:stCondLst>
@@ -41738,7 +41810,7 @@
                                     </p:set>
                                     <p:animEffect transition="in" filter="fade">
                                       <p:cBhvr additive="repl">
-                                        <p:cTn id="35" dur="250"/>
+                                        <p:cTn id="36" dur="250"/>
                                         <p:tgtEl>
                                           <p:spTgt spid="24578">
                                             <p:txEl>
@@ -41754,36 +41826,31 @@
                             </p:childTnLst>
                           </p:cTn>
                         </p:par>
-                      </p:childTnLst>
-                    </p:cTn>
-                  </p:par>
-                  <p:par>
-                    <p:cTn id="36" fill="hold">
-                      <p:stCondLst>
-                        <p:cond delay="indefinite"/>
-                      </p:stCondLst>
-                      <p:childTnLst>
                         <p:par>
                           <p:cTn id="37" fill="hold">
                             <p:stCondLst>
-                              <p:cond delay="0"/>
+                              <p:cond delay="750"/>
                             </p:stCondLst>
                             <p:childTnLst>
                               <p:par>
-                                <p:cTn id="38" presetID="10" presetClass="entr" presetSubtype="0" fill="hold" nodeType="clickEffect">
+                                <p:cTn id="38" presetID="10" presetClass="entr" fill="hold" nodeType="afterEffect">
                                   <p:stCondLst>
                                     <p:cond delay="0"/>
                                   </p:stCondLst>
                                   <p:childTnLst>
                                     <p:set>
-                                      <p:cBhvr>
+                                      <p:cBhvr additive="repl">
                                         <p:cTn id="39" dur="1" fill="hold">
                                           <p:stCondLst>
                                             <p:cond delay="0"/>
                                           </p:stCondLst>
                                         </p:cTn>
                                         <p:tgtEl>
-                                          <p:spTgt spid="4"/>
+                                          <p:spTgt spid="24578">
+                                            <p:txEl>
+                                              <p:pRg st="8" end="8"/>
+                                            </p:txEl>
+                                          </p:spTgt>
                                         </p:tgtEl>
                                         <p:attrNameLst>
                                           <p:attrName>style.visibility</p:attrName>
@@ -41794,10 +41861,14 @@
                                       </p:to>
                                     </p:set>
                                     <p:animEffect transition="in" filter="fade">
-                                      <p:cBhvr>
+                                      <p:cBhvr additive="repl">
                                         <p:cTn id="40" dur="250"/>
                                         <p:tgtEl>
-                                          <p:spTgt spid="4"/>
+                                          <p:spTgt spid="24578">
+                                            <p:txEl>
+                                              <p:pRg st="8" end="8"/>
+                                            </p:txEl>
+                                          </p:spTgt>
                                         </p:tgtEl>
                                       </p:cBhvr>
                                     </p:animEffect>
@@ -41836,7 +41907,7 @@
                                           </p:stCondLst>
                                         </p:cTn>
                                         <p:tgtEl>
-                                          <p:spTgt spid="6"/>
+                                          <p:spTgt spid="4"/>
                                         </p:tgtEl>
                                         <p:attrNameLst>
                                           <p:attrName>style.visibility</p:attrName>
@@ -41850,7 +41921,7 @@
                                       <p:cBhvr>
                                         <p:cTn id="45" dur="250"/>
                                         <p:tgtEl>
-                                          <p:spTgt spid="6"/>
+                                          <p:spTgt spid="4"/>
                                         </p:tgtEl>
                                       </p:cBhvr>
                                     </p:animEffect>
@@ -41889,6 +41960,59 @@
                                           </p:stCondLst>
                                         </p:cTn>
                                         <p:tgtEl>
+                                          <p:spTgt spid="6"/>
+                                        </p:tgtEl>
+                                        <p:attrNameLst>
+                                          <p:attrName>style.visibility</p:attrName>
+                                        </p:attrNameLst>
+                                      </p:cBhvr>
+                                      <p:to>
+                                        <p:strVal val="visible"/>
+                                      </p:to>
+                                    </p:set>
+                                    <p:animEffect transition="in" filter="fade">
+                                      <p:cBhvr>
+                                        <p:cTn id="50" dur="250"/>
+                                        <p:tgtEl>
+                                          <p:spTgt spid="6"/>
+                                        </p:tgtEl>
+                                      </p:cBhvr>
+                                    </p:animEffect>
+                                  </p:childTnLst>
+                                </p:cTn>
+                              </p:par>
+                            </p:childTnLst>
+                          </p:cTn>
+                        </p:par>
+                      </p:childTnLst>
+                    </p:cTn>
+                  </p:par>
+                  <p:par>
+                    <p:cTn id="51" fill="hold">
+                      <p:stCondLst>
+                        <p:cond delay="indefinite"/>
+                      </p:stCondLst>
+                      <p:childTnLst>
+                        <p:par>
+                          <p:cTn id="52" fill="hold">
+                            <p:stCondLst>
+                              <p:cond delay="0"/>
+                            </p:stCondLst>
+                            <p:childTnLst>
+                              <p:par>
+                                <p:cTn id="53" presetID="10" presetClass="entr" presetSubtype="0" fill="hold" nodeType="clickEffect">
+                                  <p:stCondLst>
+                                    <p:cond delay="0"/>
+                                  </p:stCondLst>
+                                  <p:childTnLst>
+                                    <p:set>
+                                      <p:cBhvr>
+                                        <p:cTn id="54" dur="1" fill="hold">
+                                          <p:stCondLst>
+                                            <p:cond delay="0"/>
+                                          </p:stCondLst>
+                                        </p:cTn>
+                                        <p:tgtEl>
                                           <p:spTgt spid="5"/>
                                         </p:tgtEl>
                                         <p:attrNameLst>
@@ -41901,7 +42025,7 @@
                                     </p:set>
                                     <p:animEffect transition="in" filter="fade">
                                       <p:cBhvr>
-                                        <p:cTn id="50" dur="250"/>
+                                        <p:cTn id="55" dur="250"/>
                                         <p:tgtEl>
                                           <p:spTgt spid="5"/>
                                         </p:tgtEl>
@@ -42576,13 +42700,13 @@
   <p:clrMapOvr>
     <a:masterClrMapping/>
   </p:clrMapOvr>
-  <mc:AlternateContent xmlns:mc="http://schemas.openxmlformats.org/markup-compatibility/2006">
-    <mc:Choice xmlns:p14="http://schemas.microsoft.com/office/powerpoint/2010/main" Requires="p14">
+  <mc:AlternateContent xmlns:mc="http://schemas.openxmlformats.org/markup-compatibility/2006" xmlns:p14="http://schemas.microsoft.com/office/powerpoint/2010/main">
+    <mc:Choice Requires="p14">
       <p:transition>
         <p14:reveal/>
       </p:transition>
     </mc:Choice>
-    <mc:Fallback>
+    <mc:Fallback xmlns="">
       <p:transition>
         <p:fade/>
       </p:transition>
@@ -43313,7 +43437,24 @@
                 <a:latin typeface="Calibri" pitchFamily="34" charset="0"/>
                 <a:cs typeface="Calibri" pitchFamily="34" charset="0"/>
               </a:rPr>
-              <a:t>Hrvati u Vojvodini </a:t>
+              <a:t>Hrvati u </a:t>
+            </a:r>
+            <a:r>
+              <a:rPr lang="hr-HR" sz="2000" b="1" dirty="0" smtClean="0">
+                <a:solidFill>
+                  <a:srgbClr val="FFC000"/>
+                </a:solidFill>
+                <a:latin typeface="Calibri" pitchFamily="34" charset="0"/>
+                <a:cs typeface="Calibri" pitchFamily="34" charset="0"/>
+              </a:rPr>
+              <a:t>Vojvodini</a:t>
+            </a:r>
+            <a:r>
+              <a:rPr lang="hr-HR" sz="2000" dirty="0" smtClean="0">
+                <a:latin typeface="Calibri" pitchFamily="34" charset="0"/>
+                <a:cs typeface="Calibri" pitchFamily="34" charset="0"/>
+              </a:rPr>
+              <a:t> </a:t>
             </a:r>
             <a:r>
               <a:rPr lang="hr-HR" sz="2000" i="1" dirty="0" smtClean="0">
@@ -43352,18 +43493,28 @@
               </a:tabLst>
             </a:pPr>
             <a:r>
+              <a:rPr lang="hr-HR" sz="2000" b="1" dirty="0" smtClean="0">
+                <a:solidFill>
+                  <a:srgbClr val="FFC000"/>
+                </a:solidFill>
+                <a:latin typeface="Calibri" pitchFamily="34" charset="0"/>
+                <a:cs typeface="Calibri" pitchFamily="34" charset="0"/>
+              </a:rPr>
+              <a:t>Gradišćanski</a:t>
+            </a:r>
+            <a:r>
               <a:rPr lang="hr-HR" sz="2000" dirty="0" smtClean="0">
                 <a:latin typeface="Calibri" pitchFamily="34" charset="0"/>
                 <a:cs typeface="Calibri" pitchFamily="34" charset="0"/>
               </a:rPr>
-              <a:t>gradišćanski Hrvati </a:t>
+              <a:t> Hrvati </a:t>
             </a:r>
             <a:r>
               <a:rPr lang="hr-HR" sz="2000" i="1" dirty="0" smtClean="0">
                 <a:latin typeface="Calibri" pitchFamily="34" charset="0"/>
                 <a:cs typeface="Calibri" pitchFamily="34" charset="0"/>
               </a:rPr>
-              <a:t>(Austrija - 1530-ih)</a:t>
+              <a:t>(Austrija – 1530-ih)</a:t>
             </a:r>
           </a:p>
           <a:p>
@@ -43395,11 +43546,21 @@
               </a:tabLst>
             </a:pPr>
             <a:r>
+              <a:rPr lang="hr-HR" sz="2000" b="1" dirty="0" smtClean="0">
+                <a:solidFill>
+                  <a:srgbClr val="FFC000"/>
+                </a:solidFill>
+                <a:latin typeface="Calibri" pitchFamily="34" charset="0"/>
+                <a:cs typeface="Calibri" pitchFamily="34" charset="0"/>
+              </a:rPr>
+              <a:t>Moliški</a:t>
+            </a:r>
+            <a:r>
               <a:rPr lang="hr-HR" sz="2000" dirty="0" smtClean="0">
                 <a:latin typeface="Calibri" pitchFamily="34" charset="0"/>
                 <a:cs typeface="Calibri" pitchFamily="34" charset="0"/>
               </a:rPr>
-              <a:t>moliški Hrvati </a:t>
+              <a:t> Hrvati </a:t>
             </a:r>
             <a:r>
               <a:rPr lang="hr-HR" sz="2000" i="1" dirty="0" smtClean="0">
@@ -43438,11 +43599,31 @@
               </a:tabLst>
             </a:pPr>
             <a:r>
+              <a:rPr lang="hr-HR" sz="2000" b="1" dirty="0">
+                <a:solidFill>
+                  <a:srgbClr val="FFC000"/>
+                </a:solidFill>
+                <a:latin typeface="Calibri" pitchFamily="34" charset="0"/>
+                <a:cs typeface="Calibri" pitchFamily="34" charset="0"/>
+              </a:rPr>
+              <a:t>M</a:t>
+            </a:r>
+            <a:r>
+              <a:rPr lang="hr-HR" sz="2000" b="1" dirty="0" smtClean="0">
+                <a:solidFill>
+                  <a:srgbClr val="FFC000"/>
+                </a:solidFill>
+                <a:latin typeface="Calibri" pitchFamily="34" charset="0"/>
+                <a:cs typeface="Calibri" pitchFamily="34" charset="0"/>
+              </a:rPr>
+              <a:t>oravski</a:t>
+            </a:r>
+            <a:r>
               <a:rPr lang="hr-HR" sz="2000" dirty="0" smtClean="0">
                 <a:latin typeface="Calibri" pitchFamily="34" charset="0"/>
                 <a:cs typeface="Calibri" pitchFamily="34" charset="0"/>
               </a:rPr>
-              <a:t>moravski Hrvati </a:t>
+              <a:t> Hrvati </a:t>
             </a:r>
             <a:r>
               <a:rPr lang="hr-HR" sz="2000" i="1" dirty="0" smtClean="0">
@@ -43481,11 +43662,21 @@
               </a:tabLst>
             </a:pPr>
             <a:r>
+              <a:rPr lang="hr-HR" sz="2000" b="1" dirty="0" smtClean="0">
+                <a:solidFill>
+                  <a:srgbClr val="FFC000"/>
+                </a:solidFill>
+                <a:latin typeface="Calibri" pitchFamily="34" charset="0"/>
+                <a:cs typeface="Calibri" pitchFamily="34" charset="0"/>
+              </a:rPr>
+              <a:t>Janjevci</a:t>
+            </a:r>
+            <a:r>
               <a:rPr lang="hr-HR" sz="2000" dirty="0" smtClean="0">
                 <a:latin typeface="Calibri" pitchFamily="34" charset="0"/>
                 <a:cs typeface="Calibri" pitchFamily="34" charset="0"/>
               </a:rPr>
-              <a:t>Janjevci </a:t>
+              <a:t> </a:t>
             </a:r>
             <a:r>
               <a:rPr lang="hr-HR" sz="2000" i="1" dirty="0" smtClean="0">
@@ -43524,11 +43715,41 @@
               </a:tabLst>
             </a:pPr>
             <a:r>
+              <a:rPr lang="hr-HR" sz="2000" b="1" dirty="0" err="1">
+                <a:solidFill>
+                  <a:srgbClr val="FFC000"/>
+                </a:solidFill>
+                <a:latin typeface="Calibri" pitchFamily="34" charset="0"/>
+                <a:cs typeface="Calibri" pitchFamily="34" charset="0"/>
+              </a:rPr>
+              <a:t>K</a:t>
+            </a:r>
+            <a:r>
+              <a:rPr lang="hr-HR" sz="2000" b="1" dirty="0" err="1" smtClean="0">
+                <a:solidFill>
+                  <a:srgbClr val="FFC000"/>
+                </a:solidFill>
+                <a:latin typeface="Calibri" pitchFamily="34" charset="0"/>
+                <a:cs typeface="Calibri" pitchFamily="34" charset="0"/>
+              </a:rPr>
+              <a:t>araševski</a:t>
+            </a:r>
+            <a:r>
               <a:rPr lang="hr-HR" sz="2000" dirty="0" smtClean="0">
-                <a:latin typeface="Calibri" pitchFamily="34" charset="0"/>
-                <a:cs typeface="Calibri" pitchFamily="34" charset="0"/>
-              </a:rPr>
-              <a:t>karaševski Hrvati </a:t>
+                <a:solidFill>
+                  <a:srgbClr val="FFC000"/>
+                </a:solidFill>
+                <a:latin typeface="Calibri" pitchFamily="34" charset="0"/>
+                <a:cs typeface="Calibri" pitchFamily="34" charset="0"/>
+              </a:rPr>
+              <a:t> </a:t>
+            </a:r>
+            <a:r>
+              <a:rPr lang="hr-HR" sz="2000" dirty="0" smtClean="0">
+                <a:latin typeface="Calibri" pitchFamily="34" charset="0"/>
+                <a:cs typeface="Calibri" pitchFamily="34" charset="0"/>
+              </a:rPr>
+              <a:t>Hrvati </a:t>
             </a:r>
             <a:r>
               <a:rPr lang="hr-HR" sz="2000" i="1" dirty="0" smtClean="0">
@@ -43711,13 +43932,13 @@
   <p:clrMapOvr>
     <a:masterClrMapping/>
   </p:clrMapOvr>
-  <mc:AlternateContent xmlns:mc="http://schemas.openxmlformats.org/markup-compatibility/2006">
-    <mc:Choice xmlns:p14="http://schemas.microsoft.com/office/powerpoint/2010/main" Requires="p14">
+  <mc:AlternateContent xmlns:mc="http://schemas.openxmlformats.org/markup-compatibility/2006" xmlns:p14="http://schemas.microsoft.com/office/powerpoint/2010/main">
+    <mc:Choice Requires="p14">
       <p:transition>
         <p14:reveal/>
       </p:transition>
     </mc:Choice>
-    <mc:Fallback>
+    <mc:Fallback xmlns="">
       <p:transition>
         <p:fade/>
       </p:transition>
@@ -45616,13 +45837,13 @@
   <p:clrMapOvr>
     <a:masterClrMapping/>
   </p:clrMapOvr>
-  <mc:AlternateContent xmlns:mc="http://schemas.openxmlformats.org/markup-compatibility/2006">
-    <mc:Choice xmlns:p14="http://schemas.microsoft.com/office/powerpoint/2010/main" Requires="p14">
+  <mc:AlternateContent xmlns:mc="http://schemas.openxmlformats.org/markup-compatibility/2006" xmlns:p14="http://schemas.microsoft.com/office/powerpoint/2010/main">
+    <mc:Choice Requires="p14">
       <p:transition>
         <p14:reveal/>
       </p:transition>
     </mc:Choice>
-    <mc:Fallback>
+    <mc:Fallback xmlns="">
       <p:transition>
         <p:fade/>
       </p:transition>
